--- a/Documentação/pptx/Banner3.pptx
+++ b/Documentação/pptx/Banner3.pptx
@@ -5,9 +5,8 @@
     <p:sldMasterId id="2147483672" r:id="rId1"/>
   </p:sldMasterIdLst>
   <p:sldIdLst>
-    <p:sldId id="258" r:id="rId2"/>
-    <p:sldId id="257" r:id="rId3"/>
-    <p:sldId id="256" r:id="rId4"/>
+    <p:sldId id="257" r:id="rId2"/>
+    <p:sldId id="256" r:id="rId3"/>
   </p:sldIdLst>
   <p:sldSz cx="3524250" cy="2590800"/>
   <p:notesSz cx="6858000" cy="9144000"/>
@@ -245,7 +244,7 @@
           <a:p>
             <a:fld id="{59509436-178D-4CC7-9D72-E4CA19EAF95E}" type="datetimeFigureOut">
               <a:rPr lang="pt-BR" smtClean="0"/>
-              <a:t>12/11/2018</a:t>
+              <a:t>14/11/2018</a:t>
             </a:fld>
             <a:endParaRPr lang="pt-BR"/>
           </a:p>
@@ -415,7 +414,7 @@
           <a:p>
             <a:fld id="{59509436-178D-4CC7-9D72-E4CA19EAF95E}" type="datetimeFigureOut">
               <a:rPr lang="pt-BR" smtClean="0"/>
-              <a:t>12/11/2018</a:t>
+              <a:t>14/11/2018</a:t>
             </a:fld>
             <a:endParaRPr lang="pt-BR"/>
           </a:p>
@@ -595,7 +594,7 @@
           <a:p>
             <a:fld id="{59509436-178D-4CC7-9D72-E4CA19EAF95E}" type="datetimeFigureOut">
               <a:rPr lang="pt-BR" smtClean="0"/>
-              <a:t>12/11/2018</a:t>
+              <a:t>14/11/2018</a:t>
             </a:fld>
             <a:endParaRPr lang="pt-BR"/>
           </a:p>
@@ -765,7 +764,7 @@
           <a:p>
             <a:fld id="{59509436-178D-4CC7-9D72-E4CA19EAF95E}" type="datetimeFigureOut">
               <a:rPr lang="pt-BR" smtClean="0"/>
-              <a:t>12/11/2018</a:t>
+              <a:t>14/11/2018</a:t>
             </a:fld>
             <a:endParaRPr lang="pt-BR"/>
           </a:p>
@@ -1009,7 +1008,7 @@
           <a:p>
             <a:fld id="{59509436-178D-4CC7-9D72-E4CA19EAF95E}" type="datetimeFigureOut">
               <a:rPr lang="pt-BR" smtClean="0"/>
-              <a:t>12/11/2018</a:t>
+              <a:t>14/11/2018</a:t>
             </a:fld>
             <a:endParaRPr lang="pt-BR"/>
           </a:p>
@@ -1241,7 +1240,7 @@
           <a:p>
             <a:fld id="{59509436-178D-4CC7-9D72-E4CA19EAF95E}" type="datetimeFigureOut">
               <a:rPr lang="pt-BR" smtClean="0"/>
-              <a:t>12/11/2018</a:t>
+              <a:t>14/11/2018</a:t>
             </a:fld>
             <a:endParaRPr lang="pt-BR"/>
           </a:p>
@@ -1608,7 +1607,7 @@
           <a:p>
             <a:fld id="{59509436-178D-4CC7-9D72-E4CA19EAF95E}" type="datetimeFigureOut">
               <a:rPr lang="pt-BR" smtClean="0"/>
-              <a:t>12/11/2018</a:t>
+              <a:t>14/11/2018</a:t>
             </a:fld>
             <a:endParaRPr lang="pt-BR"/>
           </a:p>
@@ -1726,7 +1725,7 @@
           <a:p>
             <a:fld id="{59509436-178D-4CC7-9D72-E4CA19EAF95E}" type="datetimeFigureOut">
               <a:rPr lang="pt-BR" smtClean="0"/>
-              <a:t>12/11/2018</a:t>
+              <a:t>14/11/2018</a:t>
             </a:fld>
             <a:endParaRPr lang="pt-BR"/>
           </a:p>
@@ -1821,7 +1820,7 @@
           <a:p>
             <a:fld id="{59509436-178D-4CC7-9D72-E4CA19EAF95E}" type="datetimeFigureOut">
               <a:rPr lang="pt-BR" smtClean="0"/>
-              <a:t>12/11/2018</a:t>
+              <a:t>14/11/2018</a:t>
             </a:fld>
             <a:endParaRPr lang="pt-BR"/>
           </a:p>
@@ -2098,7 +2097,7 @@
           <a:p>
             <a:fld id="{59509436-178D-4CC7-9D72-E4CA19EAF95E}" type="datetimeFigureOut">
               <a:rPr lang="pt-BR" smtClean="0"/>
-              <a:t>12/11/2018</a:t>
+              <a:t>14/11/2018</a:t>
             </a:fld>
             <a:endParaRPr lang="pt-BR"/>
           </a:p>
@@ -2355,7 +2354,7 @@
           <a:p>
             <a:fld id="{59509436-178D-4CC7-9D72-E4CA19EAF95E}" type="datetimeFigureOut">
               <a:rPr lang="pt-BR" smtClean="0"/>
-              <a:t>12/11/2018</a:t>
+              <a:t>14/11/2018</a:t>
             </a:fld>
             <a:endParaRPr lang="pt-BR"/>
           </a:p>
@@ -2568,7 +2567,7 @@
           <a:p>
             <a:fld id="{59509436-178D-4CC7-9D72-E4CA19EAF95E}" type="datetimeFigureOut">
               <a:rPr lang="pt-BR" smtClean="0"/>
-              <a:t>12/11/2018</a:t>
+              <a:t>14/11/2018</a:t>
             </a:fld>
             <a:endParaRPr lang="pt-BR"/>
           </a:p>
@@ -2959,244 +2958,6 @@
 <file path=ppt/slides/slide1.xml><?xml version="1.0" encoding="utf-8"?>
 <p:sld xmlns:a="http://schemas.openxmlformats.org/drawingml/2006/main" xmlns:r="http://schemas.openxmlformats.org/officeDocument/2006/relationships" xmlns:p="http://schemas.openxmlformats.org/presentationml/2006/main">
   <p:cSld>
-    <p:spTree>
-      <p:nvGrpSpPr>
-        <p:cNvPr id="1" name=""/>
-        <p:cNvGrpSpPr/>
-        <p:nvPr/>
-      </p:nvGrpSpPr>
-      <p:grpSpPr>
-        <a:xfrm>
-          <a:off x="0" y="0"/>
-          <a:ext cx="0" cy="0"/>
-          <a:chOff x="0" y="0"/>
-          <a:chExt cx="0" cy="0"/>
-        </a:xfrm>
-      </p:grpSpPr>
-      <p:sp>
-        <p:nvSpPr>
-          <p:cNvPr id="4" name="Retângulo 3">
-            <a:extLst>
-              <a:ext uri="{FF2B5EF4-FFF2-40B4-BE49-F238E27FC236}">
-                <a16:creationId xmlns:a16="http://schemas.microsoft.com/office/drawing/2014/main" id="{E19416E3-7E90-4D3C-83AD-5ED9EE988CE0}"/>
-              </a:ext>
-            </a:extLst>
-          </p:cNvPr>
-          <p:cNvSpPr/>
-          <p:nvPr/>
-        </p:nvSpPr>
-        <p:spPr>
-          <a:xfrm>
-            <a:off x="0" y="0"/>
-            <a:ext cx="3524250" cy="2590800"/>
-          </a:xfrm>
-          <a:prstGeom prst="rect">
-            <a:avLst/>
-          </a:prstGeom>
-          <a:gradFill>
-            <a:gsLst>
-              <a:gs pos="100000">
-                <a:srgbClr val="E8B729"/>
-              </a:gs>
-              <a:gs pos="0">
-                <a:srgbClr val="EFD863"/>
-              </a:gs>
-            </a:gsLst>
-            <a:lin ang="5400000" scaled="1"/>
-          </a:gradFill>
-          <a:ln>
-            <a:noFill/>
-          </a:ln>
-        </p:spPr>
-        <p:style>
-          <a:lnRef idx="2">
-            <a:schemeClr val="accent1">
-              <a:shade val="50000"/>
-            </a:schemeClr>
-          </a:lnRef>
-          <a:fillRef idx="1">
-            <a:schemeClr val="accent1"/>
-          </a:fillRef>
-          <a:effectRef idx="0">
-            <a:schemeClr val="accent1"/>
-          </a:effectRef>
-          <a:fontRef idx="minor">
-            <a:schemeClr val="lt1"/>
-          </a:fontRef>
-        </p:style>
-        <p:txBody>
-          <a:bodyPr rtlCol="0" anchor="ctr"/>
-          <a:lstStyle/>
-          <a:p>
-            <a:pPr algn="ctr"/>
-            <a:endParaRPr lang="pt-BR"/>
-          </a:p>
-        </p:txBody>
-      </p:sp>
-      <p:pic>
-        <p:nvPicPr>
-          <p:cNvPr id="4098" name="Picture 2" descr="Resultado de imagem para detetive pikachu">
-            <a:extLst>
-              <a:ext uri="{FF2B5EF4-FFF2-40B4-BE49-F238E27FC236}">
-                <a16:creationId xmlns:a16="http://schemas.microsoft.com/office/drawing/2014/main" id="{4C2528A5-8DF7-4978-9BD4-1AF9FAF6D24F}"/>
-              </a:ext>
-            </a:extLst>
-          </p:cNvPr>
-          <p:cNvPicPr>
-            <a:picLocks noChangeAspect="1" noChangeArrowheads="1"/>
-          </p:cNvPicPr>
-          <p:nvPr/>
-        </p:nvPicPr>
-        <p:blipFill>
-          <a:blip r:embed="rId2">
-            <a:extLst>
-              <a:ext uri="{28A0092B-C50C-407E-A947-70E740481C1C}">
-                <a14:useLocalDpi xmlns:a14="http://schemas.microsoft.com/office/drawing/2010/main" val="0"/>
-              </a:ext>
-            </a:extLst>
-          </a:blip>
-          <a:srcRect/>
-          <a:stretch>
-            <a:fillRect/>
-          </a:stretch>
-        </p:blipFill>
-        <p:spPr bwMode="auto">
-          <a:xfrm>
-            <a:off x="142875" y="182056"/>
-            <a:ext cx="2514600" cy="733992"/>
-          </a:xfrm>
-          <a:prstGeom prst="rect">
-            <a:avLst/>
-          </a:prstGeom>
-          <a:noFill/>
-          <a:extLst>
-            <a:ext uri="{909E8E84-426E-40DD-AFC4-6F175D3DCCD1}">
-              <a14:hiddenFill xmlns:a14="http://schemas.microsoft.com/office/drawing/2010/main">
-                <a:solidFill>
-                  <a:srgbClr val="FFFFFF"/>
-                </a:solidFill>
-              </a14:hiddenFill>
-            </a:ext>
-          </a:extLst>
-        </p:spPr>
-      </p:pic>
-      <p:pic>
-        <p:nvPicPr>
-          <p:cNvPr id="4100" name="Picture 4" descr="Imagem relacionada">
-            <a:extLst>
-              <a:ext uri="{FF2B5EF4-FFF2-40B4-BE49-F238E27FC236}">
-                <a16:creationId xmlns:a16="http://schemas.microsoft.com/office/drawing/2014/main" id="{BD937D12-5CC5-4191-9DE1-77511BC25EAA}"/>
-              </a:ext>
-            </a:extLst>
-          </p:cNvPr>
-          <p:cNvPicPr>
-            <a:picLocks noChangeAspect="1" noChangeArrowheads="1"/>
-          </p:cNvPicPr>
-          <p:nvPr/>
-        </p:nvPicPr>
-        <p:blipFill>
-          <a:blip r:embed="rId3">
-            <a:extLst>
-              <a:ext uri="{28A0092B-C50C-407E-A947-70E740481C1C}">
-                <a14:useLocalDpi xmlns:a14="http://schemas.microsoft.com/office/drawing/2010/main" val="0"/>
-              </a:ext>
-            </a:extLst>
-          </a:blip>
-          <a:srcRect/>
-          <a:stretch>
-            <a:fillRect/>
-          </a:stretch>
-        </p:blipFill>
-        <p:spPr bwMode="auto">
-          <a:xfrm>
-            <a:off x="1223962" y="295275"/>
-            <a:ext cx="2606675" cy="2590800"/>
-          </a:xfrm>
-          <a:prstGeom prst="rect">
-            <a:avLst/>
-          </a:prstGeom>
-          <a:noFill/>
-          <a:effectLst>
-            <a:outerShdw blurRad="50800" dist="38100" dir="2700000" algn="tl" rotWithShape="0">
-              <a:prstClr val="black">
-                <a:alpha val="40000"/>
-              </a:prstClr>
-            </a:outerShdw>
-          </a:effectLst>
-          <a:extLst>
-            <a:ext uri="{909E8E84-426E-40DD-AFC4-6F175D3DCCD1}">
-              <a14:hiddenFill xmlns:a14="http://schemas.microsoft.com/office/drawing/2010/main">
-                <a:solidFill>
-                  <a:srgbClr val="FFFFFF"/>
-                </a:solidFill>
-              </a14:hiddenFill>
-            </a:ext>
-          </a:extLst>
-        </p:spPr>
-      </p:pic>
-      <p:sp>
-        <p:nvSpPr>
-          <p:cNvPr id="2" name="CaixaDeTexto 1">
-            <a:extLst>
-              <a:ext uri="{FF2B5EF4-FFF2-40B4-BE49-F238E27FC236}">
-                <a16:creationId xmlns:a16="http://schemas.microsoft.com/office/drawing/2014/main" id="{C48D4594-0E40-4146-9460-F822E5C5230B}"/>
-              </a:ext>
-            </a:extLst>
-          </p:cNvPr>
-          <p:cNvSpPr txBox="1"/>
-          <p:nvPr/>
-        </p:nvSpPr>
-        <p:spPr>
-          <a:xfrm>
-            <a:off x="0" y="1674753"/>
-            <a:ext cx="1954057" cy="523220"/>
-          </a:xfrm>
-          <a:prstGeom prst="rect">
-            <a:avLst/>
-          </a:prstGeom>
-          <a:noFill/>
-          <a:effectLst>
-            <a:outerShdw blurRad="50800" dist="38100" dir="2700000" algn="tl" rotWithShape="0">
-              <a:prstClr val="black">
-                <a:alpha val="40000"/>
-              </a:prstClr>
-            </a:outerShdw>
-          </a:effectLst>
-        </p:spPr>
-        <p:txBody>
-          <a:bodyPr wrap="square" rtlCol="0">
-            <a:spAutoFit/>
-          </a:bodyPr>
-          <a:lstStyle/>
-          <a:p>
-            <a:r>
-              <a:rPr lang="pt-BR" sz="2800" b="1" dirty="0">
-                <a:solidFill>
-                  <a:srgbClr val="6A3906"/>
-                </a:solidFill>
-                <a:latin typeface="Pokemon Solid" panose="040B0500000000000000" pitchFamily="82" charset="2"/>
-              </a:rPr>
-              <a:t>R$ 139,99</a:t>
-            </a:r>
-          </a:p>
-        </p:txBody>
-      </p:sp>
-    </p:spTree>
-    <p:extLst>
-      <p:ext uri="{BB962C8B-B14F-4D97-AF65-F5344CB8AC3E}">
-        <p14:creationId xmlns:p14="http://schemas.microsoft.com/office/powerpoint/2010/main" val="1990912514"/>
-      </p:ext>
-    </p:extLst>
-  </p:cSld>
-  <p:clrMapOvr>
-    <a:masterClrMapping/>
-  </p:clrMapOvr>
-</p:sld>
-</file>
-
-<file path=ppt/slides/slide2.xml><?xml version="1.0" encoding="utf-8"?>
-<p:sld xmlns:a="http://schemas.openxmlformats.org/drawingml/2006/main" xmlns:r="http://schemas.openxmlformats.org/officeDocument/2006/relationships" xmlns:p="http://schemas.openxmlformats.org/presentationml/2006/main">
-  <p:cSld>
     <p:bg>
       <p:bgPr>
         <a:solidFill>
@@ -3224,7 +2985,7 @@
           <p:cNvPr id="2054" name="Picture 6" descr="Resultado de imagem para comic wallpaper texture">
             <a:extLst>
               <a:ext uri="{FF2B5EF4-FFF2-40B4-BE49-F238E27FC236}">
-                <a16:creationId xmlns:a16="http://schemas.microsoft.com/office/drawing/2014/main" id="{77C03EF8-D7E3-47A5-AF60-22D3AE8B3BD3}"/>
+                <a16:creationId xmlns:a16="http://schemas.microsoft.com/office/drawing/2014/main" xmlns="" id="{77C03EF8-D7E3-47A5-AF60-22D3AE8B3BD3}"/>
               </a:ext>
             </a:extLst>
           </p:cNvPr>
@@ -3234,7 +2995,7 @@
           <p:nvPr/>
         </p:nvPicPr>
         <p:blipFill rotWithShape="1">
-          <a:blip r:embed="rId2">
+          <a:blip r:embed="rId2" cstate="print">
             <a:extLst>
               <a:ext uri="{28A0092B-C50C-407E-A947-70E740481C1C}">
                 <a14:useLocalDpi xmlns:a14="http://schemas.microsoft.com/office/drawing/2010/main" val="0"/>
@@ -3269,7 +3030,7 @@
           <p:cNvPr id="2056" name="Picture 8" descr="Resultado de imagem para stan lee">
             <a:extLst>
               <a:ext uri="{FF2B5EF4-FFF2-40B4-BE49-F238E27FC236}">
-                <a16:creationId xmlns:a16="http://schemas.microsoft.com/office/drawing/2014/main" id="{F01E13F1-8982-4559-A1C4-F78F4C3A3D76}"/>
+                <a16:creationId xmlns:a16="http://schemas.microsoft.com/office/drawing/2014/main" xmlns="" id="{F01E13F1-8982-4559-A1C4-F78F4C3A3D76}"/>
               </a:ext>
             </a:extLst>
           </p:cNvPr>
@@ -3316,7 +3077,7 @@
           <p:cNvPr id="5" name="CaixaDeTexto 4">
             <a:extLst>
               <a:ext uri="{FF2B5EF4-FFF2-40B4-BE49-F238E27FC236}">
-                <a16:creationId xmlns:a16="http://schemas.microsoft.com/office/drawing/2014/main" id="{BC66C984-29AB-455D-91F0-FAD991CD88A8}"/>
+                <a16:creationId xmlns:a16="http://schemas.microsoft.com/office/drawing/2014/main" xmlns="" id="{BC66C984-29AB-455D-91F0-FAD991CD88A8}"/>
               </a:ext>
             </a:extLst>
           </p:cNvPr>
@@ -3325,7 +3086,7 @@
         </p:nvSpPr>
         <p:spPr>
           <a:xfrm>
-            <a:off x="50800" y="253483"/>
+            <a:off x="37090" y="276573"/>
             <a:ext cx="2546350" cy="523220"/>
           </a:xfrm>
           <a:prstGeom prst="rect">
@@ -3349,7 +3110,31 @@
                 </a:solidFill>
                 <a:latin typeface="Avengeance Heroic Avenger" pitchFamily="50" charset="0"/>
               </a:rPr>
-              <a:t>O legado do Heroi </a:t>
+              <a:t>O legado do </a:t>
+            </a:r>
+            <a:r>
+              <a:rPr lang="pt-BR" sz="2800" dirty="0" err="1">
+                <a:solidFill>
+                  <a:schemeClr val="tx1">
+                    <a:lumMod val="95000"/>
+                    <a:lumOff val="5000"/>
+                  </a:schemeClr>
+                </a:solidFill>
+                <a:latin typeface="Avengeance Heroic Avenger" pitchFamily="50" charset="0"/>
+              </a:rPr>
+              <a:t>Heroi</a:t>
+            </a:r>
+            <a:r>
+              <a:rPr lang="pt-BR" sz="2800" dirty="0">
+                <a:solidFill>
+                  <a:schemeClr val="tx1">
+                    <a:lumMod val="95000"/>
+                    <a:lumOff val="5000"/>
+                  </a:schemeClr>
+                </a:solidFill>
+                <a:latin typeface="Avengeance Heroic Avenger" pitchFamily="50" charset="0"/>
+              </a:rPr>
+              <a:t> </a:t>
             </a:r>
           </a:p>
         </p:txBody>
@@ -3359,7 +3144,7 @@
           <p:cNvPr id="10" name="CaixaDeTexto 9">
             <a:extLst>
               <a:ext uri="{FF2B5EF4-FFF2-40B4-BE49-F238E27FC236}">
-                <a16:creationId xmlns:a16="http://schemas.microsoft.com/office/drawing/2014/main" id="{9EB02E29-A7BD-493A-880C-105015FCA481}"/>
+                <a16:creationId xmlns:a16="http://schemas.microsoft.com/office/drawing/2014/main" xmlns="" id="{9EB02E29-A7BD-493A-880C-105015FCA481}"/>
               </a:ext>
             </a:extLst>
           </p:cNvPr>
@@ -3396,7 +3181,7 @@
           <p:cNvPr id="7" name="Imagem 6">
             <a:extLst>
               <a:ext uri="{FF2B5EF4-FFF2-40B4-BE49-F238E27FC236}">
-                <a16:creationId xmlns:a16="http://schemas.microsoft.com/office/drawing/2014/main" id="{A6985896-9FC3-4835-9162-76DE60B85386}"/>
+                <a16:creationId xmlns:a16="http://schemas.microsoft.com/office/drawing/2014/main" xmlns="" id="{A6985896-9FC3-4835-9162-76DE60B85386}"/>
               </a:ext>
             </a:extLst>
           </p:cNvPr>
@@ -3406,7 +3191,7 @@
           <p:nvPr/>
         </p:nvPicPr>
         <p:blipFill>
-          <a:blip r:embed="rId4">
+          <a:blip r:embed="rId4" cstate="print">
             <a:extLst>
               <a:ext uri="{28A0092B-C50C-407E-A947-70E740481C1C}">
                 <a14:useLocalDpi xmlns:a14="http://schemas.microsoft.com/office/drawing/2010/main" val="0"/>
@@ -3437,10 +3222,17 @@
   <p:clrMapOvr>
     <a:masterClrMapping/>
   </p:clrMapOvr>
+  <p:timing>
+    <p:tnLst>
+      <p:par>
+        <p:cTn id="1" dur="indefinite" restart="never" nodeType="tmRoot"/>
+      </p:par>
+    </p:tnLst>
+  </p:timing>
 </p:sld>
 </file>
 
-<file path=ppt/slides/slide3.xml><?xml version="1.0" encoding="utf-8"?>
+<file path=ppt/slides/slide2.xml><?xml version="1.0" encoding="utf-8"?>
 <p:sld xmlns:a="http://schemas.openxmlformats.org/drawingml/2006/main" xmlns:r="http://schemas.openxmlformats.org/officeDocument/2006/relationships" xmlns:p="http://schemas.openxmlformats.org/presentationml/2006/main">
   <p:cSld>
     <p:bg>
@@ -3484,7 +3276,7 @@
           <p:cNvPr id="1030" name="Picture 6" descr="Imagem relacionada">
             <a:extLst>
               <a:ext uri="{FF2B5EF4-FFF2-40B4-BE49-F238E27FC236}">
-                <a16:creationId xmlns:a16="http://schemas.microsoft.com/office/drawing/2014/main" id="{B3573E2C-E246-4F37-BE6E-B296D0F8638E}"/>
+                <a16:creationId xmlns:a16="http://schemas.microsoft.com/office/drawing/2014/main" xmlns="" id="{B3573E2C-E246-4F37-BE6E-B296D0F8638E}"/>
               </a:ext>
             </a:extLst>
           </p:cNvPr>
@@ -3494,7 +3286,7 @@
           <p:nvPr/>
         </p:nvPicPr>
         <p:blipFill>
-          <a:blip r:embed="rId2">
+          <a:blip r:embed="rId2" cstate="print">
             <a:extLst>
               <a:ext uri="{28A0092B-C50C-407E-A947-70E740481C1C}">
                 <a14:useLocalDpi xmlns:a14="http://schemas.microsoft.com/office/drawing/2010/main" val="0"/>
@@ -3531,7 +3323,7 @@
           <p:cNvPr id="17" name="CaixaDeTexto 16">
             <a:extLst>
               <a:ext uri="{FF2B5EF4-FFF2-40B4-BE49-F238E27FC236}">
-                <a16:creationId xmlns:a16="http://schemas.microsoft.com/office/drawing/2014/main" id="{57B554C3-D02A-4B6E-9797-F9A9981D237A}"/>
+                <a16:creationId xmlns:a16="http://schemas.microsoft.com/office/drawing/2014/main" xmlns="" id="{57B554C3-D02A-4B6E-9797-F9A9981D237A}"/>
               </a:ext>
             </a:extLst>
           </p:cNvPr>
@@ -3700,7 +3492,7 @@
           <p:cNvPr id="18" name="CaixaDeTexto 17">
             <a:extLst>
               <a:ext uri="{FF2B5EF4-FFF2-40B4-BE49-F238E27FC236}">
-                <a16:creationId xmlns:a16="http://schemas.microsoft.com/office/drawing/2014/main" id="{33B6ABBA-09CD-4B13-9CD3-7994FB923550}"/>
+                <a16:creationId xmlns:a16="http://schemas.microsoft.com/office/drawing/2014/main" xmlns="" id="{33B6ABBA-09CD-4B13-9CD3-7994FB923550}"/>
               </a:ext>
             </a:extLst>
           </p:cNvPr>
@@ -3760,7 +3552,7 @@
           <p:cNvPr id="14" name="Imagem 13" descr="Uma imagem contendo árvore&#10;&#10;Descrição gerada com muito alta confiança">
             <a:extLst>
               <a:ext uri="{FF2B5EF4-FFF2-40B4-BE49-F238E27FC236}">
-                <a16:creationId xmlns:a16="http://schemas.microsoft.com/office/drawing/2014/main" id="{9683A2FF-6583-4EF1-999F-6D86FD792503}"/>
+                <a16:creationId xmlns:a16="http://schemas.microsoft.com/office/drawing/2014/main" xmlns="" id="{9683A2FF-6583-4EF1-999F-6D86FD792503}"/>
               </a:ext>
             </a:extLst>
           </p:cNvPr>
@@ -3770,7 +3562,7 @@
           <p:nvPr/>
         </p:nvPicPr>
         <p:blipFill>
-          <a:blip r:embed="rId3">
+          <a:blip r:embed="rId3" cstate="print">
             <a:extLst>
               <a:ext uri="{28A0092B-C50C-407E-A947-70E740481C1C}">
                 <a14:useLocalDpi xmlns:a14="http://schemas.microsoft.com/office/drawing/2010/main" val="0"/>
@@ -3808,6 +3600,13 @@
   <p:clrMapOvr>
     <a:masterClrMapping/>
   </p:clrMapOvr>
+  <p:timing>
+    <p:tnLst>
+      <p:par>
+        <p:cTn id="1" dur="indefinite" restart="never" nodeType="tmRoot"/>
+      </p:par>
+    </p:tnLst>
+  </p:timing>
 </p:sld>
 </file>
 

--- a/Documentação/pptx/Banner3.pptx
+++ b/Documentação/pptx/Banner3.pptx
@@ -5,8 +5,9 @@
     <p:sldMasterId id="2147483672" r:id="rId1"/>
   </p:sldMasterIdLst>
   <p:sldIdLst>
-    <p:sldId id="257" r:id="rId2"/>
-    <p:sldId id="256" r:id="rId3"/>
+    <p:sldId id="258" r:id="rId2"/>
+    <p:sldId id="257" r:id="rId3"/>
+    <p:sldId id="256" r:id="rId4"/>
   </p:sldIdLst>
   <p:sldSz cx="3524250" cy="2590800"/>
   <p:notesSz cx="6858000" cy="9144000"/>
@@ -244,7 +245,7 @@
           <a:p>
             <a:fld id="{59509436-178D-4CC7-9D72-E4CA19EAF95E}" type="datetimeFigureOut">
               <a:rPr lang="pt-BR" smtClean="0"/>
-              <a:t>14/11/2018</a:t>
+              <a:t>22/11/2018</a:t>
             </a:fld>
             <a:endParaRPr lang="pt-BR"/>
           </a:p>
@@ -414,7 +415,7 @@
           <a:p>
             <a:fld id="{59509436-178D-4CC7-9D72-E4CA19EAF95E}" type="datetimeFigureOut">
               <a:rPr lang="pt-BR" smtClean="0"/>
-              <a:t>14/11/2018</a:t>
+              <a:t>22/11/2018</a:t>
             </a:fld>
             <a:endParaRPr lang="pt-BR"/>
           </a:p>
@@ -594,7 +595,7 @@
           <a:p>
             <a:fld id="{59509436-178D-4CC7-9D72-E4CA19EAF95E}" type="datetimeFigureOut">
               <a:rPr lang="pt-BR" smtClean="0"/>
-              <a:t>14/11/2018</a:t>
+              <a:t>22/11/2018</a:t>
             </a:fld>
             <a:endParaRPr lang="pt-BR"/>
           </a:p>
@@ -764,7 +765,7 @@
           <a:p>
             <a:fld id="{59509436-178D-4CC7-9D72-E4CA19EAF95E}" type="datetimeFigureOut">
               <a:rPr lang="pt-BR" smtClean="0"/>
-              <a:t>14/11/2018</a:t>
+              <a:t>22/11/2018</a:t>
             </a:fld>
             <a:endParaRPr lang="pt-BR"/>
           </a:p>
@@ -1008,7 +1009,7 @@
           <a:p>
             <a:fld id="{59509436-178D-4CC7-9D72-E4CA19EAF95E}" type="datetimeFigureOut">
               <a:rPr lang="pt-BR" smtClean="0"/>
-              <a:t>14/11/2018</a:t>
+              <a:t>22/11/2018</a:t>
             </a:fld>
             <a:endParaRPr lang="pt-BR"/>
           </a:p>
@@ -1240,7 +1241,7 @@
           <a:p>
             <a:fld id="{59509436-178D-4CC7-9D72-E4CA19EAF95E}" type="datetimeFigureOut">
               <a:rPr lang="pt-BR" smtClean="0"/>
-              <a:t>14/11/2018</a:t>
+              <a:t>22/11/2018</a:t>
             </a:fld>
             <a:endParaRPr lang="pt-BR"/>
           </a:p>
@@ -1607,7 +1608,7 @@
           <a:p>
             <a:fld id="{59509436-178D-4CC7-9D72-E4CA19EAF95E}" type="datetimeFigureOut">
               <a:rPr lang="pt-BR" smtClean="0"/>
-              <a:t>14/11/2018</a:t>
+              <a:t>22/11/2018</a:t>
             </a:fld>
             <a:endParaRPr lang="pt-BR"/>
           </a:p>
@@ -1725,7 +1726,7 @@
           <a:p>
             <a:fld id="{59509436-178D-4CC7-9D72-E4CA19EAF95E}" type="datetimeFigureOut">
               <a:rPr lang="pt-BR" smtClean="0"/>
-              <a:t>14/11/2018</a:t>
+              <a:t>22/11/2018</a:t>
             </a:fld>
             <a:endParaRPr lang="pt-BR"/>
           </a:p>
@@ -1820,7 +1821,7 @@
           <a:p>
             <a:fld id="{59509436-178D-4CC7-9D72-E4CA19EAF95E}" type="datetimeFigureOut">
               <a:rPr lang="pt-BR" smtClean="0"/>
-              <a:t>14/11/2018</a:t>
+              <a:t>22/11/2018</a:t>
             </a:fld>
             <a:endParaRPr lang="pt-BR"/>
           </a:p>
@@ -2097,7 +2098,7 @@
           <a:p>
             <a:fld id="{59509436-178D-4CC7-9D72-E4CA19EAF95E}" type="datetimeFigureOut">
               <a:rPr lang="pt-BR" smtClean="0"/>
-              <a:t>14/11/2018</a:t>
+              <a:t>22/11/2018</a:t>
             </a:fld>
             <a:endParaRPr lang="pt-BR"/>
           </a:p>
@@ -2354,7 +2355,7 @@
           <a:p>
             <a:fld id="{59509436-178D-4CC7-9D72-E4CA19EAF95E}" type="datetimeFigureOut">
               <a:rPr lang="pt-BR" smtClean="0"/>
-              <a:t>14/11/2018</a:t>
+              <a:t>22/11/2018</a:t>
             </a:fld>
             <a:endParaRPr lang="pt-BR"/>
           </a:p>
@@ -2567,7 +2568,7 @@
           <a:p>
             <a:fld id="{59509436-178D-4CC7-9D72-E4CA19EAF95E}" type="datetimeFigureOut">
               <a:rPr lang="pt-BR" smtClean="0"/>
-              <a:t>14/11/2018</a:t>
+              <a:t>22/11/2018</a:t>
             </a:fld>
             <a:endParaRPr lang="pt-BR"/>
           </a:p>
@@ -2958,6 +2959,614 @@
 <file path=ppt/slides/slide1.xml><?xml version="1.0" encoding="utf-8"?>
 <p:sld xmlns:a="http://schemas.openxmlformats.org/drawingml/2006/main" xmlns:r="http://schemas.openxmlformats.org/officeDocument/2006/relationships" xmlns:p="http://schemas.openxmlformats.org/presentationml/2006/main">
   <p:cSld>
+    <p:spTree>
+      <p:nvGrpSpPr>
+        <p:cNvPr id="1" name=""/>
+        <p:cNvGrpSpPr/>
+        <p:nvPr/>
+      </p:nvGrpSpPr>
+      <p:grpSpPr>
+        <a:xfrm>
+          <a:off x="0" y="0"/>
+          <a:ext cx="0" cy="0"/>
+          <a:chOff x="0" y="0"/>
+          <a:chExt cx="0" cy="0"/>
+        </a:xfrm>
+      </p:grpSpPr>
+      <p:sp>
+        <p:nvSpPr>
+          <p:cNvPr id="4" name="Retângulo 3">
+            <a:extLst>
+              <a:ext uri="{FF2B5EF4-FFF2-40B4-BE49-F238E27FC236}">
+                <a16:creationId xmlns:a16="http://schemas.microsoft.com/office/drawing/2014/main" id="{C12A05A9-DC31-4007-9109-D7EE5051F468}"/>
+              </a:ext>
+            </a:extLst>
+          </p:cNvPr>
+          <p:cNvSpPr/>
+          <p:nvPr/>
+        </p:nvSpPr>
+        <p:spPr>
+          <a:xfrm>
+            <a:off x="0" y="-3436"/>
+            <a:ext cx="3524250" cy="2590800"/>
+          </a:xfrm>
+          <a:prstGeom prst="rect">
+            <a:avLst/>
+          </a:prstGeom>
+          <a:gradFill flip="none" rotWithShape="1">
+            <a:gsLst>
+              <a:gs pos="0">
+                <a:schemeClr val="tx1"/>
+              </a:gs>
+              <a:gs pos="100000">
+                <a:schemeClr val="bg2">
+                  <a:lumMod val="25000"/>
+                </a:schemeClr>
+              </a:gs>
+            </a:gsLst>
+            <a:lin ang="8100000" scaled="1"/>
+            <a:tileRect/>
+          </a:gradFill>
+          <a:ln>
+            <a:noFill/>
+          </a:ln>
+        </p:spPr>
+        <p:style>
+          <a:lnRef idx="2">
+            <a:schemeClr val="accent1">
+              <a:shade val="50000"/>
+            </a:schemeClr>
+          </a:lnRef>
+          <a:fillRef idx="1">
+            <a:schemeClr val="accent1"/>
+          </a:fillRef>
+          <a:effectRef idx="0">
+            <a:schemeClr val="accent1"/>
+          </a:effectRef>
+          <a:fontRef idx="minor">
+            <a:schemeClr val="lt1"/>
+          </a:fontRef>
+        </p:style>
+        <p:txBody>
+          <a:bodyPr rtlCol="0" anchor="ctr"/>
+          <a:lstStyle/>
+          <a:p>
+            <a:pPr algn="ctr"/>
+            <a:endParaRPr lang="pt-BR"/>
+          </a:p>
+        </p:txBody>
+      </p:sp>
+      <p:sp>
+        <p:nvSpPr>
+          <p:cNvPr id="3" name="Triângulo isósceles 2">
+            <a:extLst>
+              <a:ext uri="{FF2B5EF4-FFF2-40B4-BE49-F238E27FC236}">
+                <a16:creationId xmlns:a16="http://schemas.microsoft.com/office/drawing/2014/main" id="{CB2DC9A2-2D5F-4307-A7EA-9B1D23903507}"/>
+              </a:ext>
+            </a:extLst>
+          </p:cNvPr>
+          <p:cNvSpPr/>
+          <p:nvPr/>
+        </p:nvSpPr>
+        <p:spPr>
+          <a:xfrm rot="5400000">
+            <a:off x="-632279" y="628834"/>
+            <a:ext cx="4788799" cy="3524253"/>
+          </a:xfrm>
+          <a:prstGeom prst="triangle">
+            <a:avLst>
+              <a:gd name="adj" fmla="val 0"/>
+            </a:avLst>
+          </a:prstGeom>
+          <a:solidFill>
+            <a:srgbClr val="F79D1E"/>
+          </a:solidFill>
+          <a:ln>
+            <a:noFill/>
+          </a:ln>
+        </p:spPr>
+        <p:style>
+          <a:lnRef idx="2">
+            <a:schemeClr val="accent1">
+              <a:shade val="50000"/>
+            </a:schemeClr>
+          </a:lnRef>
+          <a:fillRef idx="1">
+            <a:schemeClr val="accent1"/>
+          </a:fillRef>
+          <a:effectRef idx="0">
+            <a:schemeClr val="accent1"/>
+          </a:effectRef>
+          <a:fontRef idx="minor">
+            <a:schemeClr val="lt1"/>
+          </a:fontRef>
+        </p:style>
+        <p:txBody>
+          <a:bodyPr rtlCol="0" anchor="ctr"/>
+          <a:lstStyle/>
+          <a:p>
+            <a:pPr algn="ctr"/>
+            <a:endParaRPr lang="pt-BR"/>
+          </a:p>
+        </p:txBody>
+      </p:sp>
+      <p:sp>
+        <p:nvSpPr>
+          <p:cNvPr id="39" name="Forma Livre: Forma 38">
+            <a:extLst>
+              <a:ext uri="{FF2B5EF4-FFF2-40B4-BE49-F238E27FC236}">
+                <a16:creationId xmlns:a16="http://schemas.microsoft.com/office/drawing/2014/main" id="{C0DB1059-E917-49C9-9EB9-3652AF72380C}"/>
+              </a:ext>
+            </a:extLst>
+          </p:cNvPr>
+          <p:cNvSpPr/>
+          <p:nvPr/>
+        </p:nvSpPr>
+        <p:spPr>
+          <a:xfrm rot="10800000">
+            <a:off x="2356443" y="1927260"/>
+            <a:ext cx="1052910" cy="502911"/>
+          </a:xfrm>
+          <a:custGeom>
+            <a:avLst/>
+            <a:gdLst>
+              <a:gd name="connsiteX0" fmla="*/ 899170 w 1052910"/>
+              <a:gd name="connsiteY0" fmla="*/ 502911 h 502911"/>
+              <a:gd name="connsiteX1" fmla="*/ 809421 w 1052910"/>
+              <a:gd name="connsiteY1" fmla="*/ 502911 h 502911"/>
+              <a:gd name="connsiteX2" fmla="*/ 520049 w 1052910"/>
+              <a:gd name="connsiteY2" fmla="*/ 226480 h 502911"/>
+              <a:gd name="connsiteX3" fmla="*/ 230677 w 1052910"/>
+              <a:gd name="connsiteY3" fmla="*/ 502911 h 502911"/>
+              <a:gd name="connsiteX4" fmla="*/ 140928 w 1052910"/>
+              <a:gd name="connsiteY4" fmla="*/ 502911 h 502911"/>
+              <a:gd name="connsiteX5" fmla="*/ 520049 w 1052910"/>
+              <a:gd name="connsiteY5" fmla="*/ 140745 h 502911"/>
+              <a:gd name="connsiteX6" fmla="*/ 1052910 w 1052910"/>
+              <a:gd name="connsiteY6" fmla="*/ 502911 h 502911"/>
+              <a:gd name="connsiteX7" fmla="*/ 963162 w 1052910"/>
+              <a:gd name="connsiteY7" fmla="*/ 502911 h 502911"/>
+              <a:gd name="connsiteX8" fmla="*/ 526456 w 1052910"/>
+              <a:gd name="connsiteY8" fmla="*/ 85735 h 502911"/>
+              <a:gd name="connsiteX9" fmla="*/ 89750 w 1052910"/>
+              <a:gd name="connsiteY9" fmla="*/ 502911 h 502911"/>
+              <a:gd name="connsiteX10" fmla="*/ 0 w 1052910"/>
+              <a:gd name="connsiteY10" fmla="*/ 502911 h 502911"/>
+              <a:gd name="connsiteX11" fmla="*/ 526455 w 1052910"/>
+              <a:gd name="connsiteY11" fmla="*/ 0 h 502911"/>
+            </a:gdLst>
+            <a:ahLst/>
+            <a:cxnLst>
+              <a:cxn ang="0">
+                <a:pos x="connsiteX0" y="connsiteY0"/>
+              </a:cxn>
+              <a:cxn ang="0">
+                <a:pos x="connsiteX1" y="connsiteY1"/>
+              </a:cxn>
+              <a:cxn ang="0">
+                <a:pos x="connsiteX2" y="connsiteY2"/>
+              </a:cxn>
+              <a:cxn ang="0">
+                <a:pos x="connsiteX3" y="connsiteY3"/>
+              </a:cxn>
+              <a:cxn ang="0">
+                <a:pos x="connsiteX4" y="connsiteY4"/>
+              </a:cxn>
+              <a:cxn ang="0">
+                <a:pos x="connsiteX5" y="connsiteY5"/>
+              </a:cxn>
+              <a:cxn ang="0">
+                <a:pos x="connsiteX6" y="connsiteY6"/>
+              </a:cxn>
+              <a:cxn ang="0">
+                <a:pos x="connsiteX7" y="connsiteY7"/>
+              </a:cxn>
+              <a:cxn ang="0">
+                <a:pos x="connsiteX8" y="connsiteY8"/>
+              </a:cxn>
+              <a:cxn ang="0">
+                <a:pos x="connsiteX9" y="connsiteY9"/>
+              </a:cxn>
+              <a:cxn ang="0">
+                <a:pos x="connsiteX10" y="connsiteY10"/>
+              </a:cxn>
+              <a:cxn ang="0">
+                <a:pos x="connsiteX11" y="connsiteY11"/>
+              </a:cxn>
+            </a:cxnLst>
+            <a:rect l="l" t="t" r="r" b="b"/>
+            <a:pathLst>
+              <a:path w="1052910" h="502911">
+                <a:moveTo>
+                  <a:pt x="899170" y="502911"/>
+                </a:moveTo>
+                <a:lnTo>
+                  <a:pt x="809421" y="502911"/>
+                </a:lnTo>
+                <a:lnTo>
+                  <a:pt x="520049" y="226480"/>
+                </a:lnTo>
+                <a:lnTo>
+                  <a:pt x="230677" y="502911"/>
+                </a:lnTo>
+                <a:lnTo>
+                  <a:pt x="140928" y="502911"/>
+                </a:lnTo>
+                <a:lnTo>
+                  <a:pt x="520049" y="140745"/>
+                </a:lnTo>
+                <a:close/>
+                <a:moveTo>
+                  <a:pt x="1052910" y="502911"/>
+                </a:moveTo>
+                <a:lnTo>
+                  <a:pt x="963162" y="502911"/>
+                </a:lnTo>
+                <a:lnTo>
+                  <a:pt x="526456" y="85735"/>
+                </a:lnTo>
+                <a:lnTo>
+                  <a:pt x="89750" y="502911"/>
+                </a:lnTo>
+                <a:lnTo>
+                  <a:pt x="0" y="502911"/>
+                </a:lnTo>
+                <a:lnTo>
+                  <a:pt x="526455" y="0"/>
+                </a:lnTo>
+                <a:close/>
+              </a:path>
+            </a:pathLst>
+          </a:custGeom>
+          <a:solidFill>
+            <a:srgbClr val="F79D1E"/>
+          </a:solidFill>
+          <a:ln>
+            <a:noFill/>
+          </a:ln>
+          <a:effectLst>
+            <a:outerShdw blurRad="50800" dist="38100" dir="2700000" algn="tl" rotWithShape="0">
+              <a:prstClr val="black">
+                <a:alpha val="40000"/>
+              </a:prstClr>
+            </a:outerShdw>
+          </a:effectLst>
+        </p:spPr>
+        <p:style>
+          <a:lnRef idx="2">
+            <a:schemeClr val="accent1">
+              <a:shade val="50000"/>
+            </a:schemeClr>
+          </a:lnRef>
+          <a:fillRef idx="1">
+            <a:schemeClr val="accent1"/>
+          </a:fillRef>
+          <a:effectRef idx="0">
+            <a:schemeClr val="accent1"/>
+          </a:effectRef>
+          <a:fontRef idx="minor">
+            <a:schemeClr val="lt1"/>
+          </a:fontRef>
+        </p:style>
+        <p:txBody>
+          <a:bodyPr wrap="square" rtlCol="0" anchor="ctr">
+            <a:noAutofit/>
+          </a:bodyPr>
+          <a:lstStyle/>
+          <a:p>
+            <a:pPr algn="ctr"/>
+            <a:endParaRPr lang="pt-BR"/>
+          </a:p>
+        </p:txBody>
+      </p:sp>
+      <p:sp>
+        <p:nvSpPr>
+          <p:cNvPr id="7" name="CaixaDeTexto 6">
+            <a:extLst>
+              <a:ext uri="{FF2B5EF4-FFF2-40B4-BE49-F238E27FC236}">
+                <a16:creationId xmlns:a16="http://schemas.microsoft.com/office/drawing/2014/main" id="{3169DE07-7792-47B0-BFFF-470A0162BFD1}"/>
+              </a:ext>
+            </a:extLst>
+          </p:cNvPr>
+          <p:cNvSpPr txBox="1"/>
+          <p:nvPr/>
+        </p:nvSpPr>
+        <p:spPr>
+          <a:xfrm>
+            <a:off x="171942" y="143512"/>
+            <a:ext cx="3162585" cy="584775"/>
+          </a:xfrm>
+          <a:prstGeom prst="rect">
+            <a:avLst/>
+          </a:prstGeom>
+          <a:noFill/>
+          <a:effectLst>
+            <a:outerShdw blurRad="50800" dist="38100" dir="2700000" algn="tl" rotWithShape="0">
+              <a:prstClr val="black">
+                <a:alpha val="40000"/>
+              </a:prstClr>
+            </a:outerShdw>
+          </a:effectLst>
+        </p:spPr>
+        <p:txBody>
+          <a:bodyPr wrap="square" rtlCol="0">
+            <a:spAutoFit/>
+          </a:bodyPr>
+          <a:lstStyle/>
+          <a:p>
+            <a:r>
+              <a:rPr lang="pt-BR" sz="3200" dirty="0">
+                <a:latin typeface="Quantify" panose="02000506000000020004" pitchFamily="2" charset="0"/>
+                <a:cs typeface="Quantify" panose="02000506000000020004" pitchFamily="2" charset="0"/>
+              </a:rPr>
+              <a:t>BLACK FRIDAY</a:t>
+            </a:r>
+          </a:p>
+        </p:txBody>
+      </p:sp>
+      <p:grpSp>
+        <p:nvGrpSpPr>
+          <p:cNvPr id="40" name="Agrupar 39">
+            <a:extLst>
+              <a:ext uri="{FF2B5EF4-FFF2-40B4-BE49-F238E27FC236}">
+                <a16:creationId xmlns:a16="http://schemas.microsoft.com/office/drawing/2014/main" id="{52B1E049-549F-43A4-8B20-FF7C6293D7C9}"/>
+              </a:ext>
+            </a:extLst>
+          </p:cNvPr>
+          <p:cNvGrpSpPr/>
+          <p:nvPr/>
+        </p:nvGrpSpPr>
+        <p:grpSpPr>
+          <a:xfrm>
+            <a:off x="171942" y="824151"/>
+            <a:ext cx="1932245" cy="1159080"/>
+            <a:chOff x="171942" y="824151"/>
+            <a:chExt cx="1932245" cy="1159080"/>
+          </a:xfrm>
+        </p:grpSpPr>
+        <p:sp>
+          <p:nvSpPr>
+            <p:cNvPr id="28" name="CaixaDeTexto 27">
+              <a:extLst>
+                <a:ext uri="{FF2B5EF4-FFF2-40B4-BE49-F238E27FC236}">
+                  <a16:creationId xmlns:a16="http://schemas.microsoft.com/office/drawing/2014/main" id="{37F866B3-8979-4D40-811B-370C7E3013A5}"/>
+                </a:ext>
+              </a:extLst>
+            </p:cNvPr>
+            <p:cNvSpPr txBox="1"/>
+            <p:nvPr/>
+          </p:nvSpPr>
+          <p:spPr>
+            <a:xfrm>
+              <a:off x="247171" y="824151"/>
+              <a:ext cx="1857016" cy="307777"/>
+            </a:xfrm>
+            <a:prstGeom prst="rect">
+              <a:avLst/>
+            </a:prstGeom>
+            <a:noFill/>
+            <a:effectLst>
+              <a:outerShdw blurRad="50800" dist="38100" dir="2700000" algn="tl" rotWithShape="0">
+                <a:prstClr val="black">
+                  <a:alpha val="40000"/>
+                </a:prstClr>
+              </a:outerShdw>
+            </a:effectLst>
+          </p:spPr>
+          <p:txBody>
+            <a:bodyPr wrap="square" rtlCol="0">
+              <a:spAutoFit/>
+            </a:bodyPr>
+            <a:lstStyle/>
+            <a:p>
+              <a:r>
+                <a:rPr lang="pt-BR" sz="1400" dirty="0">
+                  <a:latin typeface="Arial Black" panose="020B0A04020102020204" pitchFamily="34" charset="0"/>
+                </a:rPr>
+                <a:t>DESCONTOS ATÉ</a:t>
+              </a:r>
+            </a:p>
+          </p:txBody>
+        </p:sp>
+        <p:sp>
+          <p:nvSpPr>
+            <p:cNvPr id="29" name="CaixaDeTexto 28">
+              <a:extLst>
+                <a:ext uri="{FF2B5EF4-FFF2-40B4-BE49-F238E27FC236}">
+                  <a16:creationId xmlns:a16="http://schemas.microsoft.com/office/drawing/2014/main" id="{8D80BDD5-0AE5-4FEB-A025-11BBB1F7D00A}"/>
+                </a:ext>
+              </a:extLst>
+            </p:cNvPr>
+            <p:cNvSpPr txBox="1"/>
+            <p:nvPr/>
+          </p:nvSpPr>
+          <p:spPr>
+            <a:xfrm>
+              <a:off x="171942" y="875235"/>
+              <a:ext cx="1857016" cy="1107996"/>
+            </a:xfrm>
+            <a:prstGeom prst="rect">
+              <a:avLst/>
+            </a:prstGeom>
+            <a:noFill/>
+            <a:effectLst>
+              <a:outerShdw blurRad="50800" dist="38100" dir="2700000" algn="tl" rotWithShape="0">
+                <a:prstClr val="black">
+                  <a:alpha val="40000"/>
+                </a:prstClr>
+              </a:outerShdw>
+            </a:effectLst>
+          </p:spPr>
+          <p:txBody>
+            <a:bodyPr wrap="square" rtlCol="0">
+              <a:spAutoFit/>
+            </a:bodyPr>
+            <a:lstStyle/>
+            <a:p>
+              <a:r>
+                <a:rPr lang="pt-BR" sz="6600" dirty="0">
+                  <a:latin typeface="Arial Black" panose="020B0A04020102020204" pitchFamily="34" charset="0"/>
+                </a:rPr>
+                <a:t>90</a:t>
+              </a:r>
+            </a:p>
+          </p:txBody>
+        </p:sp>
+        <p:sp>
+          <p:nvSpPr>
+            <p:cNvPr id="30" name="CaixaDeTexto 29">
+              <a:extLst>
+                <a:ext uri="{FF2B5EF4-FFF2-40B4-BE49-F238E27FC236}">
+                  <a16:creationId xmlns:a16="http://schemas.microsoft.com/office/drawing/2014/main" id="{772A3AED-83E7-4D5B-99A0-9625ABBCB71D}"/>
+                </a:ext>
+              </a:extLst>
+            </p:cNvPr>
+            <p:cNvSpPr txBox="1"/>
+            <p:nvPr/>
+          </p:nvSpPr>
+          <p:spPr>
+            <a:xfrm>
+              <a:off x="1271508" y="954812"/>
+              <a:ext cx="316259" cy="646331"/>
+            </a:xfrm>
+            <a:prstGeom prst="rect">
+              <a:avLst/>
+            </a:prstGeom>
+            <a:noFill/>
+            <a:effectLst>
+              <a:outerShdw blurRad="50800" dist="38100" dir="2700000" algn="tl" rotWithShape="0">
+                <a:prstClr val="black">
+                  <a:alpha val="40000"/>
+                </a:prstClr>
+              </a:outerShdw>
+            </a:effectLst>
+          </p:spPr>
+          <p:txBody>
+            <a:bodyPr wrap="square" rtlCol="0">
+              <a:spAutoFit/>
+            </a:bodyPr>
+            <a:lstStyle/>
+            <a:p>
+              <a:r>
+                <a:rPr lang="pt-BR" sz="3600" dirty="0">
+                  <a:latin typeface="Arial Rounded MT Bold" panose="020F0704030504030204" pitchFamily="34" charset="0"/>
+                </a:rPr>
+                <a:t>%</a:t>
+              </a:r>
+            </a:p>
+          </p:txBody>
+        </p:sp>
+      </p:grpSp>
+      <p:sp>
+        <p:nvSpPr>
+          <p:cNvPr id="32" name="Retângulo 31">
+            <a:extLst>
+              <a:ext uri="{FF2B5EF4-FFF2-40B4-BE49-F238E27FC236}">
+                <a16:creationId xmlns:a16="http://schemas.microsoft.com/office/drawing/2014/main" id="{C7D657D9-018B-4408-8045-CC26ABBB560A}"/>
+              </a:ext>
+            </a:extLst>
+          </p:cNvPr>
+          <p:cNvSpPr/>
+          <p:nvPr/>
+        </p:nvSpPr>
+        <p:spPr>
+          <a:xfrm>
+            <a:off x="2276129" y="1475414"/>
+            <a:ext cx="1213537" cy="523220"/>
+          </a:xfrm>
+          <a:prstGeom prst="rect">
+            <a:avLst/>
+          </a:prstGeom>
+          <a:effectLst>
+            <a:outerShdw blurRad="50800" dist="38100" dir="2700000" algn="tl" rotWithShape="0">
+              <a:prstClr val="black">
+                <a:alpha val="40000"/>
+              </a:prstClr>
+            </a:outerShdw>
+          </a:effectLst>
+        </p:spPr>
+        <p:txBody>
+          <a:bodyPr wrap="none">
+            <a:spAutoFit/>
+          </a:bodyPr>
+          <a:lstStyle/>
+          <a:p>
+            <a:pPr algn="ctr"/>
+            <a:r>
+              <a:rPr lang="pt-BR" sz="2800" dirty="0">
+                <a:solidFill>
+                  <a:srgbClr val="F79D1E"/>
+                </a:solidFill>
+                <a:latin typeface="Quantify" panose="02000506000000020004" pitchFamily="2" charset="0"/>
+                <a:cs typeface="Quantify" panose="02000506000000020004" pitchFamily="2" charset="0"/>
+              </a:rPr>
+              <a:t>Scrolls</a:t>
+            </a:r>
+          </a:p>
+        </p:txBody>
+      </p:sp>
+      <p:sp>
+        <p:nvSpPr>
+          <p:cNvPr id="41" name="CaixaDeTexto 40">
+            <a:extLst>
+              <a:ext uri="{FF2B5EF4-FFF2-40B4-BE49-F238E27FC236}">
+                <a16:creationId xmlns:a16="http://schemas.microsoft.com/office/drawing/2014/main" id="{CFEFA718-3B98-4CEF-93FA-E77AB88266B9}"/>
+              </a:ext>
+            </a:extLst>
+          </p:cNvPr>
+          <p:cNvSpPr txBox="1"/>
+          <p:nvPr/>
+        </p:nvSpPr>
+        <p:spPr>
+          <a:xfrm>
+            <a:off x="32735" y="1927260"/>
+            <a:ext cx="1857016" cy="523220"/>
+          </a:xfrm>
+          <a:prstGeom prst="rect">
+            <a:avLst/>
+          </a:prstGeom>
+          <a:noFill/>
+          <a:effectLst>
+            <a:outerShdw blurRad="50800" dist="38100" dir="2700000" algn="tl" rotWithShape="0">
+              <a:prstClr val="black">
+                <a:alpha val="40000"/>
+              </a:prstClr>
+            </a:outerShdw>
+          </a:effectLst>
+        </p:spPr>
+        <p:txBody>
+          <a:bodyPr wrap="square" rtlCol="0">
+            <a:spAutoFit/>
+          </a:bodyPr>
+          <a:lstStyle/>
+          <a:p>
+            <a:pPr algn="ctr"/>
+            <a:r>
+              <a:rPr lang="pt-BR" sz="2800" dirty="0">
+                <a:latin typeface="Quantify" panose="02000506000000020004" pitchFamily="2" charset="0"/>
+                <a:cs typeface="Quantify" panose="02000506000000020004" pitchFamily="2" charset="0"/>
+              </a:rPr>
+              <a:t>Venha já</a:t>
+            </a:r>
+          </a:p>
+        </p:txBody>
+      </p:sp>
+    </p:spTree>
+    <p:extLst>
+      <p:ext uri="{BB962C8B-B14F-4D97-AF65-F5344CB8AC3E}">
+        <p14:creationId xmlns:p14="http://schemas.microsoft.com/office/powerpoint/2010/main" val="2425094336"/>
+      </p:ext>
+    </p:extLst>
+  </p:cSld>
+  <p:clrMapOvr>
+    <a:masterClrMapping/>
+  </p:clrMapOvr>
+</p:sld>
+</file>
+
+<file path=ppt/slides/slide2.xml><?xml version="1.0" encoding="utf-8"?>
+<p:sld xmlns:a="http://schemas.openxmlformats.org/drawingml/2006/main" xmlns:r="http://schemas.openxmlformats.org/officeDocument/2006/relationships" xmlns:p="http://schemas.openxmlformats.org/presentationml/2006/main">
+  <p:cSld>
     <p:bg>
       <p:bgPr>
         <a:solidFill>
@@ -2985,7 +3594,7 @@
           <p:cNvPr id="2054" name="Picture 6" descr="Resultado de imagem para comic wallpaper texture">
             <a:extLst>
               <a:ext uri="{FF2B5EF4-FFF2-40B4-BE49-F238E27FC236}">
-                <a16:creationId xmlns:a16="http://schemas.microsoft.com/office/drawing/2014/main" xmlns="" id="{77C03EF8-D7E3-47A5-AF60-22D3AE8B3BD3}"/>
+                <a16:creationId xmlns:a16="http://schemas.microsoft.com/office/drawing/2014/main" id="{77C03EF8-D7E3-47A5-AF60-22D3AE8B3BD3}"/>
               </a:ext>
             </a:extLst>
           </p:cNvPr>
@@ -3030,7 +3639,7 @@
           <p:cNvPr id="2056" name="Picture 8" descr="Resultado de imagem para stan lee">
             <a:extLst>
               <a:ext uri="{FF2B5EF4-FFF2-40B4-BE49-F238E27FC236}">
-                <a16:creationId xmlns:a16="http://schemas.microsoft.com/office/drawing/2014/main" xmlns="" id="{F01E13F1-8982-4559-A1C4-F78F4C3A3D76}"/>
+                <a16:creationId xmlns:a16="http://schemas.microsoft.com/office/drawing/2014/main" id="{F01E13F1-8982-4559-A1C4-F78F4C3A3D76}"/>
               </a:ext>
             </a:extLst>
           </p:cNvPr>
@@ -3077,7 +3686,7 @@
           <p:cNvPr id="5" name="CaixaDeTexto 4">
             <a:extLst>
               <a:ext uri="{FF2B5EF4-FFF2-40B4-BE49-F238E27FC236}">
-                <a16:creationId xmlns:a16="http://schemas.microsoft.com/office/drawing/2014/main" xmlns="" id="{BC66C984-29AB-455D-91F0-FAD991CD88A8}"/>
+                <a16:creationId xmlns:a16="http://schemas.microsoft.com/office/drawing/2014/main" id="{BC66C984-29AB-455D-91F0-FAD991CD88A8}"/>
               </a:ext>
             </a:extLst>
           </p:cNvPr>
@@ -3144,7 +3753,7 @@
           <p:cNvPr id="10" name="CaixaDeTexto 9">
             <a:extLst>
               <a:ext uri="{FF2B5EF4-FFF2-40B4-BE49-F238E27FC236}">
-                <a16:creationId xmlns:a16="http://schemas.microsoft.com/office/drawing/2014/main" xmlns="" id="{9EB02E29-A7BD-493A-880C-105015FCA481}"/>
+                <a16:creationId xmlns:a16="http://schemas.microsoft.com/office/drawing/2014/main" id="{9EB02E29-A7BD-493A-880C-105015FCA481}"/>
               </a:ext>
             </a:extLst>
           </p:cNvPr>
@@ -3153,7 +3762,7 @@
         </p:nvSpPr>
         <p:spPr>
           <a:xfrm rot="2102086">
-            <a:off x="2051052" y="288037"/>
+            <a:off x="2061366" y="288037"/>
             <a:ext cx="406400" cy="261610"/>
           </a:xfrm>
           <a:prstGeom prst="rect">
@@ -3181,7 +3790,7 @@
           <p:cNvPr id="7" name="Imagem 6">
             <a:extLst>
               <a:ext uri="{FF2B5EF4-FFF2-40B4-BE49-F238E27FC236}">
-                <a16:creationId xmlns:a16="http://schemas.microsoft.com/office/drawing/2014/main" xmlns="" id="{A6985896-9FC3-4835-9162-76DE60B85386}"/>
+                <a16:creationId xmlns:a16="http://schemas.microsoft.com/office/drawing/2014/main" id="{A6985896-9FC3-4835-9162-76DE60B85386}"/>
               </a:ext>
             </a:extLst>
           </p:cNvPr>
@@ -3222,17 +3831,10 @@
   <p:clrMapOvr>
     <a:masterClrMapping/>
   </p:clrMapOvr>
-  <p:timing>
-    <p:tnLst>
-      <p:par>
-        <p:cTn id="1" dur="indefinite" restart="never" nodeType="tmRoot"/>
-      </p:par>
-    </p:tnLst>
-  </p:timing>
 </p:sld>
 </file>
 
-<file path=ppt/slides/slide2.xml><?xml version="1.0" encoding="utf-8"?>
+<file path=ppt/slides/slide3.xml><?xml version="1.0" encoding="utf-8"?>
 <p:sld xmlns:a="http://schemas.openxmlformats.org/drawingml/2006/main" xmlns:r="http://schemas.openxmlformats.org/officeDocument/2006/relationships" xmlns:p="http://schemas.openxmlformats.org/presentationml/2006/main">
   <p:cSld>
     <p:bg>
@@ -3276,7 +3878,7 @@
           <p:cNvPr id="1030" name="Picture 6" descr="Imagem relacionada">
             <a:extLst>
               <a:ext uri="{FF2B5EF4-FFF2-40B4-BE49-F238E27FC236}">
-                <a16:creationId xmlns:a16="http://schemas.microsoft.com/office/drawing/2014/main" xmlns="" id="{B3573E2C-E246-4F37-BE6E-B296D0F8638E}"/>
+                <a16:creationId xmlns:a16="http://schemas.microsoft.com/office/drawing/2014/main" id="{B3573E2C-E246-4F37-BE6E-B296D0F8638E}"/>
               </a:ext>
             </a:extLst>
           </p:cNvPr>
@@ -3323,7 +3925,7 @@
           <p:cNvPr id="17" name="CaixaDeTexto 16">
             <a:extLst>
               <a:ext uri="{FF2B5EF4-FFF2-40B4-BE49-F238E27FC236}">
-                <a16:creationId xmlns:a16="http://schemas.microsoft.com/office/drawing/2014/main" xmlns="" id="{57B554C3-D02A-4B6E-9797-F9A9981D237A}"/>
+                <a16:creationId xmlns:a16="http://schemas.microsoft.com/office/drawing/2014/main" id="{57B554C3-D02A-4B6E-9797-F9A9981D237A}"/>
               </a:ext>
             </a:extLst>
           </p:cNvPr>
@@ -3492,7 +4094,7 @@
           <p:cNvPr id="18" name="CaixaDeTexto 17">
             <a:extLst>
               <a:ext uri="{FF2B5EF4-FFF2-40B4-BE49-F238E27FC236}">
-                <a16:creationId xmlns:a16="http://schemas.microsoft.com/office/drawing/2014/main" xmlns="" id="{33B6ABBA-09CD-4B13-9CD3-7994FB923550}"/>
+                <a16:creationId xmlns:a16="http://schemas.microsoft.com/office/drawing/2014/main" id="{33B6ABBA-09CD-4B13-9CD3-7994FB923550}"/>
               </a:ext>
             </a:extLst>
           </p:cNvPr>
@@ -3552,7 +4154,7 @@
           <p:cNvPr id="14" name="Imagem 13" descr="Uma imagem contendo árvore&#10;&#10;Descrição gerada com muito alta confiança">
             <a:extLst>
               <a:ext uri="{FF2B5EF4-FFF2-40B4-BE49-F238E27FC236}">
-                <a16:creationId xmlns:a16="http://schemas.microsoft.com/office/drawing/2014/main" xmlns="" id="{9683A2FF-6583-4EF1-999F-6D86FD792503}"/>
+                <a16:creationId xmlns:a16="http://schemas.microsoft.com/office/drawing/2014/main" id="{9683A2FF-6583-4EF1-999F-6D86FD792503}"/>
               </a:ext>
             </a:extLst>
           </p:cNvPr>
@@ -3600,13 +4202,6 @@
   <p:clrMapOvr>
     <a:masterClrMapping/>
   </p:clrMapOvr>
-  <p:timing>
-    <p:tnLst>
-      <p:par>
-        <p:cTn id="1" dur="indefinite" restart="never" nodeType="tmRoot"/>
-      </p:par>
-    </p:tnLst>
-  </p:timing>
 </p:sld>
 </file>
 

--- a/Documentação/pptx/Banner3.pptx
+++ b/Documentação/pptx/Banner3.pptx
@@ -5,9 +5,10 @@
     <p:sldMasterId id="2147483672" r:id="rId1"/>
   </p:sldMasterIdLst>
   <p:sldIdLst>
-    <p:sldId id="258" r:id="rId2"/>
-    <p:sldId id="257" r:id="rId3"/>
-    <p:sldId id="256" r:id="rId4"/>
+    <p:sldId id="259" r:id="rId2"/>
+    <p:sldId id="258" r:id="rId3"/>
+    <p:sldId id="257" r:id="rId4"/>
+    <p:sldId id="256" r:id="rId5"/>
   </p:sldIdLst>
   <p:sldSz cx="3524250" cy="2590800"/>
   <p:notesSz cx="6858000" cy="9144000"/>
@@ -2975,6 +2976,204 @@
       </p:grpSpPr>
       <p:sp>
         <p:nvSpPr>
+          <p:cNvPr id="7" name="Retângulo 6">
+            <a:extLst>
+              <a:ext uri="{FF2B5EF4-FFF2-40B4-BE49-F238E27FC236}">
+                <a16:creationId xmlns:a16="http://schemas.microsoft.com/office/drawing/2014/main" id="{E8E161C3-2E4D-4233-A2EA-DE3E4B479EB1}"/>
+              </a:ext>
+            </a:extLst>
+          </p:cNvPr>
+          <p:cNvSpPr/>
+          <p:nvPr/>
+        </p:nvSpPr>
+        <p:spPr>
+          <a:xfrm>
+            <a:off x="-95250" y="-57150"/>
+            <a:ext cx="3721100" cy="2730500"/>
+          </a:xfrm>
+          <a:prstGeom prst="rect">
+            <a:avLst/>
+          </a:prstGeom>
+          <a:solidFill>
+            <a:schemeClr val="tx1"/>
+          </a:solidFill>
+          <a:ln>
+            <a:solidFill>
+              <a:schemeClr val="bg1"/>
+            </a:solidFill>
+          </a:ln>
+        </p:spPr>
+        <p:style>
+          <a:lnRef idx="2">
+            <a:schemeClr val="accent1">
+              <a:shade val="50000"/>
+            </a:schemeClr>
+          </a:lnRef>
+          <a:fillRef idx="1">
+            <a:schemeClr val="accent1"/>
+          </a:fillRef>
+          <a:effectRef idx="0">
+            <a:schemeClr val="accent1"/>
+          </a:effectRef>
+          <a:fontRef idx="minor">
+            <a:schemeClr val="lt1"/>
+          </a:fontRef>
+        </p:style>
+        <p:txBody>
+          <a:bodyPr rtlCol="0" anchor="ctr"/>
+          <a:lstStyle/>
+          <a:p>
+            <a:pPr algn="ctr"/>
+            <a:endParaRPr lang="pt-BR"/>
+          </a:p>
+        </p:txBody>
+      </p:sp>
+      <p:sp>
+        <p:nvSpPr>
+          <p:cNvPr id="8" name="CaixaDeTexto 7">
+            <a:extLst>
+              <a:ext uri="{FF2B5EF4-FFF2-40B4-BE49-F238E27FC236}">
+                <a16:creationId xmlns:a16="http://schemas.microsoft.com/office/drawing/2014/main" id="{0658A46C-E2B8-486A-A029-7D3DED305AD0}"/>
+              </a:ext>
+            </a:extLst>
+          </p:cNvPr>
+          <p:cNvSpPr txBox="1"/>
+          <p:nvPr/>
+        </p:nvSpPr>
+        <p:spPr>
+          <a:xfrm>
+            <a:off x="234950" y="228600"/>
+            <a:ext cx="3054350" cy="1323439"/>
+          </a:xfrm>
+          <a:prstGeom prst="rect">
+            <a:avLst/>
+          </a:prstGeom>
+          <a:noFill/>
+          <a:scene3d>
+            <a:camera prst="perspectiveRelaxed"/>
+            <a:lightRig rig="threePt" dir="t"/>
+          </a:scene3d>
+        </p:spPr>
+        <p:txBody>
+          <a:bodyPr wrap="square" rtlCol="0">
+            <a:spAutoFit/>
+          </a:bodyPr>
+          <a:lstStyle/>
+          <a:p>
+            <a:pPr algn="ctr"/>
+            <a:r>
+              <a:rPr lang="pt-BR" sz="2000" dirty="0">
+                <a:solidFill>
+                  <a:srgbClr val="FFFF00"/>
+                </a:solidFill>
+                <a:latin typeface="StarJedi Special Edition" panose="040B0000000000000000" pitchFamily="82" charset="0"/>
+              </a:rPr>
+              <a:t>A SAGA STAR WARS</a:t>
+            </a:r>
+          </a:p>
+          <a:p>
+            <a:pPr algn="ctr"/>
+            <a:r>
+              <a:rPr lang="pt-BR" sz="2000" dirty="0">
+                <a:solidFill>
+                  <a:srgbClr val="FFFF00"/>
+                </a:solidFill>
+                <a:latin typeface="StarJedi Special Edition" panose="040B0000000000000000" pitchFamily="82" charset="0"/>
+              </a:rPr>
+              <a:t>ESTÁ aqui</a:t>
+            </a:r>
+          </a:p>
+          <a:p>
+            <a:pPr algn="ctr"/>
+            <a:endParaRPr lang="pt-BR" sz="2000" dirty="0">
+              <a:solidFill>
+                <a:srgbClr val="FFFF00"/>
+              </a:solidFill>
+              <a:latin typeface="StarJedi Special Edition" panose="040B0000000000000000" pitchFamily="82" charset="0"/>
+            </a:endParaRPr>
+          </a:p>
+          <a:p>
+            <a:pPr algn="ctr"/>
+            <a:r>
+              <a:rPr lang="pt-BR" sz="2000" dirty="0">
+                <a:solidFill>
+                  <a:srgbClr val="FFFF00"/>
+                </a:solidFill>
+                <a:latin typeface="StarJedi Special Edition" panose="040B0000000000000000" pitchFamily="82" charset="0"/>
+              </a:rPr>
+              <a:t>venha conferir</a:t>
+            </a:r>
+          </a:p>
+        </p:txBody>
+      </p:sp>
+      <p:pic>
+        <p:nvPicPr>
+          <p:cNvPr id="12" name="Imagem 11">
+            <a:extLst>
+              <a:ext uri="{FF2B5EF4-FFF2-40B4-BE49-F238E27FC236}">
+                <a16:creationId xmlns:a16="http://schemas.microsoft.com/office/drawing/2014/main" id="{4F39A020-0F0E-4F4D-B938-3B29816614B0}"/>
+              </a:ext>
+            </a:extLst>
+          </p:cNvPr>
+          <p:cNvPicPr>
+            <a:picLocks noChangeAspect="1"/>
+          </p:cNvPicPr>
+          <p:nvPr/>
+        </p:nvPicPr>
+        <p:blipFill>
+          <a:blip r:embed="rId2">
+            <a:extLst>
+              <a:ext uri="{28A0092B-C50C-407E-A947-70E740481C1C}">
+                <a14:useLocalDpi xmlns:a14="http://schemas.microsoft.com/office/drawing/2010/main" val="0"/>
+              </a:ext>
+            </a:extLst>
+          </a:blip>
+          <a:stretch>
+            <a:fillRect/>
+          </a:stretch>
+        </p:blipFill>
+        <p:spPr>
+          <a:xfrm>
+            <a:off x="29539" y="759093"/>
+            <a:ext cx="3472486" cy="2590800"/>
+          </a:xfrm>
+          <a:prstGeom prst="rect">
+            <a:avLst/>
+          </a:prstGeom>
+        </p:spPr>
+      </p:pic>
+    </p:spTree>
+    <p:extLst>
+      <p:ext uri="{BB962C8B-B14F-4D97-AF65-F5344CB8AC3E}">
+        <p14:creationId xmlns:p14="http://schemas.microsoft.com/office/powerpoint/2010/main" val="23147331"/>
+      </p:ext>
+    </p:extLst>
+  </p:cSld>
+  <p:clrMapOvr>
+    <a:masterClrMapping/>
+  </p:clrMapOvr>
+</p:sld>
+</file>
+
+<file path=ppt/slides/slide2.xml><?xml version="1.0" encoding="utf-8"?>
+<p:sld xmlns:a="http://schemas.openxmlformats.org/drawingml/2006/main" xmlns:r="http://schemas.openxmlformats.org/officeDocument/2006/relationships" xmlns:p="http://schemas.openxmlformats.org/presentationml/2006/main">
+  <p:cSld>
+    <p:spTree>
+      <p:nvGrpSpPr>
+        <p:cNvPr id="1" name=""/>
+        <p:cNvGrpSpPr/>
+        <p:nvPr/>
+      </p:nvGrpSpPr>
+      <p:grpSpPr>
+        <a:xfrm>
+          <a:off x="0" y="0"/>
+          <a:ext cx="0" cy="0"/>
+          <a:chOff x="0" y="0"/>
+          <a:chExt cx="0" cy="0"/>
+        </a:xfrm>
+      </p:grpSpPr>
+      <p:sp>
+        <p:nvSpPr>
           <p:cNvPr id="4" name="Retângulo 3">
             <a:extLst>
               <a:ext uri="{FF2B5EF4-FFF2-40B4-BE49-F238E27FC236}">
@@ -3564,7 +3763,7 @@
 </p:sld>
 </file>
 
-<file path=ppt/slides/slide2.xml><?xml version="1.0" encoding="utf-8"?>
+<file path=ppt/slides/slide3.xml><?xml version="1.0" encoding="utf-8"?>
 <p:sld xmlns:a="http://schemas.openxmlformats.org/drawingml/2006/main" xmlns:r="http://schemas.openxmlformats.org/officeDocument/2006/relationships" xmlns:p="http://schemas.openxmlformats.org/presentationml/2006/main">
   <p:cSld>
     <p:bg>
@@ -3834,7 +4033,7 @@
 </p:sld>
 </file>
 
-<file path=ppt/slides/slide3.xml><?xml version="1.0" encoding="utf-8"?>
+<file path=ppt/slides/slide4.xml><?xml version="1.0" encoding="utf-8"?>
 <p:sld xmlns:a="http://schemas.openxmlformats.org/drawingml/2006/main" xmlns:r="http://schemas.openxmlformats.org/officeDocument/2006/relationships" xmlns:p="http://schemas.openxmlformats.org/presentationml/2006/main">
   <p:cSld>
     <p:bg>
